--- a/frieler_ComSysMus_workshop.pptx
+++ b/frieler_ComSysMus_workshop.pptx
@@ -9872,7 +9872,7 @@
                 </a:solidFill>
                 <a:latin typeface="Tw Cen MT" panose="020B0602020104020603" pitchFamily="34" charset="0"/>
               </a:rPr>
-              <a:t>Allows similarity search for patterns in the WJD,.</a:t>
+              <a:t>Allows similarity search for patterns in the WJD.</a:t>
             </a:r>
           </a:p>
           <a:p>
@@ -10467,7 +10467,7 @@
         <p:spPr bwMode="auto">
           <a:xfrm>
             <a:off x="251520" y="1557338"/>
-            <a:ext cx="8640960" cy="4606389"/>
+            <a:ext cx="8640960" cy="5012654"/>
           </a:xfrm>
           <a:prstGeom prst="rect">
             <a:avLst/>
@@ -10639,7 +10639,7 @@
                 </a:solidFill>
                 <a:latin typeface="Tw Cen MT" panose="020B0602020104020603" pitchFamily="34" charset="0"/>
               </a:rPr>
-              <a:t>What das </a:t>
+              <a:t>What does </a:t>
             </a:r>
             <a:r>
               <a:rPr lang="en-GB" sz="2400" i="0" dirty="0" err="1">
@@ -11194,7 +11194,7 @@
         <p:spPr bwMode="auto">
           <a:xfrm>
             <a:off x="251520" y="1557338"/>
-            <a:ext cx="8640960" cy="5012654"/>
+            <a:ext cx="8640960" cy="4606389"/>
           </a:xfrm>
           <a:prstGeom prst="rect">
             <a:avLst/>
@@ -11438,7 +11438,7 @@
                 </a:solidFill>
                 <a:latin typeface="Tw Cen MT" panose="020B0602020104020603" pitchFamily="34" charset="0"/>
               </a:rPr>
-              <a:t>Repeat one of the previous searches Lick with tone context of 2 or more tones before and after. How does it change the pattern impression? What are the most common pre/successions?</a:t>
+              <a:t>Repeat one of the previous searches with tone context of 2 or more tones before and after. How does it change the pattern impression? What are the most common pre/successions?</a:t>
             </a:r>
           </a:p>
           <a:p>
